--- a/code-review/Presentation1.pptx
+++ b/code-review/Presentation1.pptx
@@ -6,10 +6,20 @@
   </p:sldMasterIdLst>
   <p:sldIdLst>
     <p:sldId id="257" r:id="rId2"/>
-    <p:sldId id="256" r:id="rId3"/>
-    <p:sldId id="258" r:id="rId4"/>
-    <p:sldId id="260" r:id="rId5"/>
-    <p:sldId id="259" r:id="rId6"/>
+    <p:sldId id="270" r:id="rId3"/>
+    <p:sldId id="268" r:id="rId4"/>
+    <p:sldId id="256" r:id="rId5"/>
+    <p:sldId id="258" r:id="rId6"/>
+    <p:sldId id="260" r:id="rId7"/>
+    <p:sldId id="259" r:id="rId8"/>
+    <p:sldId id="261" r:id="rId9"/>
+    <p:sldId id="262" r:id="rId10"/>
+    <p:sldId id="263" r:id="rId11"/>
+    <p:sldId id="264" r:id="rId12"/>
+    <p:sldId id="265" r:id="rId13"/>
+    <p:sldId id="269" r:id="rId14"/>
+    <p:sldId id="266" r:id="rId15"/>
+    <p:sldId id="267" r:id="rId16"/>
   </p:sldIdLst>
   <p:sldSz cx="12192000" cy="6858000"/>
   <p:notesSz cx="6858000" cy="9144000"/>
@@ -108,6 +118,11 @@
       </a:defRPr>
     </a:lvl9pPr>
   </p:defaultTextStyle>
+  <p:extLst>
+    <p:ext uri="{EFAFB233-063F-42B5-8137-9DF3F51BA10A}">
+      <p15:sldGuideLst xmlns:p15="http://schemas.microsoft.com/office/powerpoint/2012/main"/>
+    </p:ext>
+  </p:extLst>
 </p:presentation>
 </file>
 
@@ -242,7 +257,7 @@
           <a:p>
             <a:fld id="{965C1A0E-9773-40F6-AD02-262CB58229BD}" type="datetimeFigureOut">
               <a:rPr lang="en-US" smtClean="0"/>
-              <a:t>10/19/2015</a:t>
+              <a:t>10/20/2015</a:t>
             </a:fld>
             <a:endParaRPr lang="en-US"/>
           </a:p>
@@ -412,7 +427,7 @@
           <a:p>
             <a:fld id="{965C1A0E-9773-40F6-AD02-262CB58229BD}" type="datetimeFigureOut">
               <a:rPr lang="en-US" smtClean="0"/>
-              <a:t>10/19/2015</a:t>
+              <a:t>10/20/2015</a:t>
             </a:fld>
             <a:endParaRPr lang="en-US"/>
           </a:p>
@@ -592,7 +607,7 @@
           <a:p>
             <a:fld id="{965C1A0E-9773-40F6-AD02-262CB58229BD}" type="datetimeFigureOut">
               <a:rPr lang="en-US" smtClean="0"/>
-              <a:t>10/19/2015</a:t>
+              <a:t>10/20/2015</a:t>
             </a:fld>
             <a:endParaRPr lang="en-US"/>
           </a:p>
@@ -762,7 +777,7 @@
           <a:p>
             <a:fld id="{965C1A0E-9773-40F6-AD02-262CB58229BD}" type="datetimeFigureOut">
               <a:rPr lang="en-US" smtClean="0"/>
-              <a:t>10/19/2015</a:t>
+              <a:t>10/20/2015</a:t>
             </a:fld>
             <a:endParaRPr lang="en-US"/>
           </a:p>
@@ -1008,7 +1023,7 @@
           <a:p>
             <a:fld id="{965C1A0E-9773-40F6-AD02-262CB58229BD}" type="datetimeFigureOut">
               <a:rPr lang="en-US" smtClean="0"/>
-              <a:t>10/19/2015</a:t>
+              <a:t>10/20/2015</a:t>
             </a:fld>
             <a:endParaRPr lang="en-US"/>
           </a:p>
@@ -1240,7 +1255,7 @@
           <a:p>
             <a:fld id="{965C1A0E-9773-40F6-AD02-262CB58229BD}" type="datetimeFigureOut">
               <a:rPr lang="en-US" smtClean="0"/>
-              <a:t>10/19/2015</a:t>
+              <a:t>10/20/2015</a:t>
             </a:fld>
             <a:endParaRPr lang="en-US"/>
           </a:p>
@@ -1607,7 +1622,7 @@
           <a:p>
             <a:fld id="{965C1A0E-9773-40F6-AD02-262CB58229BD}" type="datetimeFigureOut">
               <a:rPr lang="en-US" smtClean="0"/>
-              <a:t>10/19/2015</a:t>
+              <a:t>10/20/2015</a:t>
             </a:fld>
             <a:endParaRPr lang="en-US"/>
           </a:p>
@@ -1725,7 +1740,7 @@
           <a:p>
             <a:fld id="{965C1A0E-9773-40F6-AD02-262CB58229BD}" type="datetimeFigureOut">
               <a:rPr lang="en-US" smtClean="0"/>
-              <a:t>10/19/2015</a:t>
+              <a:t>10/20/2015</a:t>
             </a:fld>
             <a:endParaRPr lang="en-US"/>
           </a:p>
@@ -1820,7 +1835,7 @@
           <a:p>
             <a:fld id="{965C1A0E-9773-40F6-AD02-262CB58229BD}" type="datetimeFigureOut">
               <a:rPr lang="en-US" smtClean="0"/>
-              <a:t>10/19/2015</a:t>
+              <a:t>10/20/2015</a:t>
             </a:fld>
             <a:endParaRPr lang="en-US"/>
           </a:p>
@@ -2097,7 +2112,7 @@
           <a:p>
             <a:fld id="{965C1A0E-9773-40F6-AD02-262CB58229BD}" type="datetimeFigureOut">
               <a:rPr lang="en-US" smtClean="0"/>
-              <a:t>10/19/2015</a:t>
+              <a:t>10/20/2015</a:t>
             </a:fld>
             <a:endParaRPr lang="en-US"/>
           </a:p>
@@ -2350,7 +2365,7 @@
           <a:p>
             <a:fld id="{965C1A0E-9773-40F6-AD02-262CB58229BD}" type="datetimeFigureOut">
               <a:rPr lang="en-US" smtClean="0"/>
-              <a:t>10/19/2015</a:t>
+              <a:t>10/20/2015</a:t>
             </a:fld>
             <a:endParaRPr lang="en-US"/>
           </a:p>
@@ -2563,7 +2578,7 @@
           <a:p>
             <a:fld id="{965C1A0E-9773-40F6-AD02-262CB58229BD}" type="datetimeFigureOut">
               <a:rPr lang="en-US" smtClean="0"/>
-              <a:t>10/19/2015</a:t>
+              <a:t>10/20/2015</a:t>
             </a:fld>
             <a:endParaRPr lang="en-US"/>
           </a:p>
@@ -3049,6 +3064,599 @@
 </p:sld>
 </file>
 
+<file path=ppt/slides/slide10.xml><?xml version="1.0" encoding="utf-8"?>
+<p:sld xmlns:a="http://schemas.openxmlformats.org/drawingml/2006/main" xmlns:r="http://schemas.openxmlformats.org/officeDocument/2006/relationships" xmlns:p="http://schemas.openxmlformats.org/presentationml/2006/main">
+  <p:cSld>
+    <p:spTree>
+      <p:nvGrpSpPr>
+        <p:cNvPr id="1" name=""/>
+        <p:cNvGrpSpPr/>
+        <p:nvPr/>
+      </p:nvGrpSpPr>
+      <p:grpSpPr>
+        <a:xfrm>
+          <a:off x="0" y="0"/>
+          <a:ext cx="0" cy="0"/>
+          <a:chOff x="0" y="0"/>
+          <a:chExt cx="0" cy="0"/>
+        </a:xfrm>
+      </p:grpSpPr>
+      <p:sp>
+        <p:nvSpPr>
+          <p:cNvPr id="2" name="Title 1"/>
+          <p:cNvSpPr>
+            <a:spLocks noGrp="1"/>
+          </p:cNvSpPr>
+          <p:nvPr>
+            <p:ph type="title"/>
+          </p:nvPr>
+        </p:nvSpPr>
+        <p:spPr/>
+        <p:txBody>
+          <a:bodyPr/>
+          <a:lstStyle/>
+          <a:p>
+            <a:r>
+              <a:rPr lang="ru-RU" dirty="0" smtClean="0"/>
+              <a:t>Пошли за попкорном</a:t>
+            </a:r>
+            <a:endParaRPr lang="en-US" dirty="0"/>
+          </a:p>
+        </p:txBody>
+      </p:sp>
+      <p:sp>
+        <p:nvSpPr>
+          <p:cNvPr id="3" name="Content Placeholder 2"/>
+          <p:cNvSpPr>
+            <a:spLocks noGrp="1"/>
+          </p:cNvSpPr>
+          <p:nvPr>
+            <p:ph idx="1"/>
+          </p:nvPr>
+        </p:nvSpPr>
+        <p:spPr/>
+        <p:txBody>
+          <a:bodyPr/>
+          <a:lstStyle/>
+          <a:p>
+            <a:endParaRPr lang="en-US"/>
+          </a:p>
+        </p:txBody>
+      </p:sp>
+    </p:spTree>
+    <p:extLst>
+      <p:ext uri="{BB962C8B-B14F-4D97-AF65-F5344CB8AC3E}">
+        <p14:creationId xmlns:p14="http://schemas.microsoft.com/office/powerpoint/2010/main" val="2654446161"/>
+      </p:ext>
+    </p:extLst>
+  </p:cSld>
+  <p:clrMapOvr>
+    <a:masterClrMapping/>
+  </p:clrMapOvr>
+</p:sld>
+</file>
+
+<file path=ppt/slides/slide11.xml><?xml version="1.0" encoding="utf-8"?>
+<p:sld xmlns:a="http://schemas.openxmlformats.org/drawingml/2006/main" xmlns:r="http://schemas.openxmlformats.org/officeDocument/2006/relationships" xmlns:p="http://schemas.openxmlformats.org/presentationml/2006/main">
+  <p:cSld>
+    <p:spTree>
+      <p:nvGrpSpPr>
+        <p:cNvPr id="1" name=""/>
+        <p:cNvGrpSpPr/>
+        <p:nvPr/>
+      </p:nvGrpSpPr>
+      <p:grpSpPr>
+        <a:xfrm>
+          <a:off x="0" y="0"/>
+          <a:ext cx="0" cy="0"/>
+          <a:chOff x="0" y="0"/>
+          <a:chExt cx="0" cy="0"/>
+        </a:xfrm>
+      </p:grpSpPr>
+      <p:sp>
+        <p:nvSpPr>
+          <p:cNvPr id="2" name="Title 1"/>
+          <p:cNvSpPr>
+            <a:spLocks noGrp="1"/>
+          </p:cNvSpPr>
+          <p:nvPr>
+            <p:ph type="title"/>
+          </p:nvPr>
+        </p:nvSpPr>
+        <p:spPr/>
+        <p:txBody>
+          <a:bodyPr/>
+          <a:lstStyle/>
+          <a:p>
+            <a:endParaRPr lang="en-US" dirty="0"/>
+          </a:p>
+        </p:txBody>
+      </p:sp>
+      <p:sp>
+        <p:nvSpPr>
+          <p:cNvPr id="3" name="Content Placeholder 2"/>
+          <p:cNvSpPr>
+            <a:spLocks noGrp="1"/>
+          </p:cNvSpPr>
+          <p:nvPr>
+            <p:ph idx="1"/>
+          </p:nvPr>
+        </p:nvSpPr>
+        <p:spPr/>
+        <p:txBody>
+          <a:bodyPr/>
+          <a:lstStyle/>
+          <a:p>
+            <a:pPr marL="514350" indent="-514350">
+              <a:buAutoNum type="arabicParenR"/>
+            </a:pPr>
+            <a:r>
+              <a:rPr lang="ru-RU" dirty="0" smtClean="0"/>
+              <a:t>Проверяем что замечания </a:t>
+            </a:r>
+            <a:r>
+              <a:rPr lang="ru-RU" dirty="0" err="1" smtClean="0"/>
+              <a:t>исправленны</a:t>
+            </a:r>
+            <a:endParaRPr lang="ru-RU" dirty="0" smtClean="0"/>
+          </a:p>
+          <a:p>
+            <a:pPr marL="514350" indent="-514350">
+              <a:buAutoNum type="arabicParenR"/>
+            </a:pPr>
+            <a:endParaRPr lang="ru-RU" dirty="0" smtClean="0"/>
+          </a:p>
+        </p:txBody>
+      </p:sp>
+    </p:spTree>
+    <p:extLst>
+      <p:ext uri="{BB962C8B-B14F-4D97-AF65-F5344CB8AC3E}">
+        <p14:creationId xmlns:p14="http://schemas.microsoft.com/office/powerpoint/2010/main" val="16319924"/>
+      </p:ext>
+    </p:extLst>
+  </p:cSld>
+  <p:clrMapOvr>
+    <a:masterClrMapping/>
+  </p:clrMapOvr>
+</p:sld>
+</file>
+
+<file path=ppt/slides/slide12.xml><?xml version="1.0" encoding="utf-8"?>
+<p:sld xmlns:a="http://schemas.openxmlformats.org/drawingml/2006/main" xmlns:r="http://schemas.openxmlformats.org/officeDocument/2006/relationships" xmlns:p="http://schemas.openxmlformats.org/presentationml/2006/main">
+  <p:cSld>
+    <p:spTree>
+      <p:nvGrpSpPr>
+        <p:cNvPr id="1" name=""/>
+        <p:cNvGrpSpPr/>
+        <p:nvPr/>
+      </p:nvGrpSpPr>
+      <p:grpSpPr>
+        <a:xfrm>
+          <a:off x="0" y="0"/>
+          <a:ext cx="0" cy="0"/>
+          <a:chOff x="0" y="0"/>
+          <a:chExt cx="0" cy="0"/>
+        </a:xfrm>
+      </p:grpSpPr>
+      <p:sp>
+        <p:nvSpPr>
+          <p:cNvPr id="2" name="Title 1"/>
+          <p:cNvSpPr>
+            <a:spLocks noGrp="1"/>
+          </p:cNvSpPr>
+          <p:nvPr>
+            <p:ph type="title"/>
+          </p:nvPr>
+        </p:nvSpPr>
+        <p:spPr/>
+        <p:txBody>
+          <a:bodyPr/>
+          <a:lstStyle/>
+          <a:p>
+            <a:r>
+              <a:rPr lang="ru-RU" dirty="0" smtClean="0"/>
+              <a:t>Слайд про </a:t>
+            </a:r>
+            <a:r>
+              <a:rPr lang="en-US" dirty="0" err="1" smtClean="0"/>
+              <a:t>Gerrit</a:t>
+            </a:r>
+            <a:endParaRPr lang="en-US" dirty="0"/>
+          </a:p>
+        </p:txBody>
+      </p:sp>
+      <p:sp>
+        <p:nvSpPr>
+          <p:cNvPr id="3" name="Content Placeholder 2"/>
+          <p:cNvSpPr>
+            <a:spLocks noGrp="1"/>
+          </p:cNvSpPr>
+          <p:nvPr>
+            <p:ph idx="1"/>
+          </p:nvPr>
+        </p:nvSpPr>
+        <p:spPr/>
+        <p:txBody>
+          <a:bodyPr/>
+          <a:lstStyle/>
+          <a:p>
+            <a:pPr marL="0" indent="0">
+              <a:buNone/>
+            </a:pPr>
+            <a:r>
+              <a:rPr lang="ru-RU" dirty="0" err="1" smtClean="0"/>
+              <a:t>Коммит</a:t>
+            </a:r>
+            <a:r>
+              <a:rPr lang="ru-RU" dirty="0" smtClean="0"/>
+              <a:t> левел </a:t>
+            </a:r>
+            <a:r>
+              <a:rPr lang="ru-RU" dirty="0" err="1" smtClean="0"/>
+              <a:t>ревью</a:t>
+            </a:r>
+            <a:r>
+              <a:rPr lang="ru-RU" dirty="0" smtClean="0"/>
+              <a:t>, вместо </a:t>
+            </a:r>
+            <a:r>
+              <a:rPr lang="ru-RU" dirty="0" err="1" smtClean="0"/>
+              <a:t>бранчей</a:t>
+            </a:r>
+            <a:endParaRPr lang="en-US" dirty="0" smtClean="0"/>
+          </a:p>
+          <a:p>
+            <a:pPr marL="0" indent="0">
+              <a:buNone/>
+            </a:pPr>
+            <a:r>
+              <a:rPr lang="ru-RU" dirty="0" smtClean="0"/>
+              <a:t>Использует </a:t>
+            </a:r>
+            <a:r>
+              <a:rPr lang="ru-RU" dirty="0" err="1" smtClean="0"/>
+              <a:t>гугл</a:t>
+            </a:r>
+            <a:endParaRPr lang="ru-RU" dirty="0" smtClean="0"/>
+          </a:p>
+          <a:p>
+            <a:pPr marL="0" indent="0">
+              <a:buNone/>
+            </a:pPr>
+            <a:r>
+              <a:rPr lang="ru-RU" dirty="0" smtClean="0"/>
+              <a:t>Сложный</a:t>
+            </a:r>
+          </a:p>
+          <a:p>
+            <a:pPr marL="0" indent="0">
+              <a:buNone/>
+            </a:pPr>
+            <a:r>
+              <a:rPr lang="ru-RU" dirty="0" smtClean="0"/>
+              <a:t>Фиговый интерфейс</a:t>
+            </a:r>
+          </a:p>
+          <a:p>
+            <a:pPr marL="0" indent="0">
+              <a:buNone/>
+            </a:pPr>
+            <a:endParaRPr lang="en-US" dirty="0"/>
+          </a:p>
+        </p:txBody>
+      </p:sp>
+    </p:spTree>
+    <p:extLst>
+      <p:ext uri="{BB962C8B-B14F-4D97-AF65-F5344CB8AC3E}">
+        <p14:creationId xmlns:p14="http://schemas.microsoft.com/office/powerpoint/2010/main" val="3190937354"/>
+      </p:ext>
+    </p:extLst>
+  </p:cSld>
+  <p:clrMapOvr>
+    <a:masterClrMapping/>
+  </p:clrMapOvr>
+</p:sld>
+</file>
+
+<file path=ppt/slides/slide13.xml><?xml version="1.0" encoding="utf-8"?>
+<p:sld xmlns:a="http://schemas.openxmlformats.org/drawingml/2006/main" xmlns:r="http://schemas.openxmlformats.org/officeDocument/2006/relationships" xmlns:p="http://schemas.openxmlformats.org/presentationml/2006/main">
+  <p:cSld>
+    <p:spTree>
+      <p:nvGrpSpPr>
+        <p:cNvPr id="1" name=""/>
+        <p:cNvGrpSpPr/>
+        <p:nvPr/>
+      </p:nvGrpSpPr>
+      <p:grpSpPr>
+        <a:xfrm>
+          <a:off x="0" y="0"/>
+          <a:ext cx="0" cy="0"/>
+          <a:chOff x="0" y="0"/>
+          <a:chExt cx="0" cy="0"/>
+        </a:xfrm>
+      </p:grpSpPr>
+      <p:sp>
+        <p:nvSpPr>
+          <p:cNvPr id="2" name="Title 1"/>
+          <p:cNvSpPr>
+            <a:spLocks noGrp="1"/>
+          </p:cNvSpPr>
+          <p:nvPr>
+            <p:ph type="title"/>
+          </p:nvPr>
+        </p:nvSpPr>
+        <p:spPr/>
+        <p:txBody>
+          <a:bodyPr/>
+          <a:lstStyle/>
+          <a:p>
+            <a:r>
+              <a:rPr lang="ru-RU" dirty="0" smtClean="0"/>
+              <a:t>Нет ничего лучше чем</a:t>
+            </a:r>
+            <a:endParaRPr lang="en-US" dirty="0"/>
+          </a:p>
+        </p:txBody>
+      </p:sp>
+      <p:sp>
+        <p:nvSpPr>
+          <p:cNvPr id="3" name="Content Placeholder 2"/>
+          <p:cNvSpPr>
+            <a:spLocks noGrp="1"/>
+          </p:cNvSpPr>
+          <p:nvPr>
+            <p:ph idx="1"/>
+          </p:nvPr>
+        </p:nvSpPr>
+        <p:spPr/>
+        <p:txBody>
+          <a:bodyPr/>
+          <a:lstStyle/>
+          <a:p>
+            <a:pPr marL="0" indent="0">
+              <a:buNone/>
+            </a:pPr>
+            <a:r>
+              <a:rPr lang="en-US" dirty="0" err="1"/>
+              <a:t>gitlab</a:t>
+            </a:r>
+            <a:r>
+              <a:rPr lang="en-US" dirty="0"/>
+              <a:t> &amp; </a:t>
+            </a:r>
+            <a:r>
+              <a:rPr lang="en-US" dirty="0" err="1"/>
+              <a:t>github</a:t>
+            </a:r>
+            <a:r>
+              <a:rPr lang="en-US" dirty="0"/>
+              <a:t> pull requests </a:t>
+            </a:r>
+            <a:endParaRPr lang="ru-RU" dirty="0" smtClean="0"/>
+          </a:p>
+          <a:p>
+            <a:pPr marL="0" indent="0">
+              <a:buNone/>
+            </a:pPr>
+            <a:endParaRPr lang="ru-RU" dirty="0"/>
+          </a:p>
+          <a:p>
+            <a:pPr marL="0" indent="0">
+              <a:buNone/>
+            </a:pPr>
+            <a:r>
+              <a:rPr lang="ru-RU" dirty="0" smtClean="0"/>
+              <a:t>Все просто и понятно.</a:t>
+            </a:r>
+            <a:endParaRPr lang="en-US" dirty="0"/>
+          </a:p>
+        </p:txBody>
+      </p:sp>
+    </p:spTree>
+    <p:extLst>
+      <p:ext uri="{BB962C8B-B14F-4D97-AF65-F5344CB8AC3E}">
+        <p14:creationId xmlns:p14="http://schemas.microsoft.com/office/powerpoint/2010/main" val="1315183735"/>
+      </p:ext>
+    </p:extLst>
+  </p:cSld>
+  <p:clrMapOvr>
+    <a:masterClrMapping/>
+  </p:clrMapOvr>
+</p:sld>
+</file>
+
+<file path=ppt/slides/slide14.xml><?xml version="1.0" encoding="utf-8"?>
+<p:sld xmlns:a="http://schemas.openxmlformats.org/drawingml/2006/main" xmlns:r="http://schemas.openxmlformats.org/officeDocument/2006/relationships" xmlns:p="http://schemas.openxmlformats.org/presentationml/2006/main">
+  <p:cSld>
+    <p:spTree>
+      <p:nvGrpSpPr>
+        <p:cNvPr id="1" name=""/>
+        <p:cNvGrpSpPr/>
+        <p:nvPr/>
+      </p:nvGrpSpPr>
+      <p:grpSpPr>
+        <a:xfrm>
+          <a:off x="0" y="0"/>
+          <a:ext cx="0" cy="0"/>
+          <a:chOff x="0" y="0"/>
+          <a:chExt cx="0" cy="0"/>
+        </a:xfrm>
+      </p:grpSpPr>
+      <p:sp>
+        <p:nvSpPr>
+          <p:cNvPr id="2" name="Title 1"/>
+          <p:cNvSpPr>
+            <a:spLocks noGrp="1"/>
+          </p:cNvSpPr>
+          <p:nvPr>
+            <p:ph type="title"/>
+          </p:nvPr>
+        </p:nvSpPr>
+        <p:spPr/>
+        <p:txBody>
+          <a:bodyPr/>
+          <a:lstStyle/>
+          <a:p>
+            <a:r>
+              <a:rPr lang="ru-RU" dirty="0" smtClean="0"/>
+              <a:t>Зачем код </a:t>
+            </a:r>
+            <a:r>
+              <a:rPr lang="ru-RU" dirty="0" err="1" smtClean="0"/>
+              <a:t>ревью</a:t>
+            </a:r>
+            <a:endParaRPr lang="en-US" dirty="0"/>
+          </a:p>
+        </p:txBody>
+      </p:sp>
+      <p:sp>
+        <p:nvSpPr>
+          <p:cNvPr id="3" name="Content Placeholder 2"/>
+          <p:cNvSpPr>
+            <a:spLocks noGrp="1"/>
+          </p:cNvSpPr>
+          <p:nvPr>
+            <p:ph idx="1"/>
+          </p:nvPr>
+        </p:nvSpPr>
+        <p:spPr/>
+        <p:txBody>
+          <a:bodyPr/>
+          <a:lstStyle/>
+          <a:p>
+            <a:pPr marL="514350" indent="-514350">
+              <a:buAutoNum type="arabicParenR"/>
+            </a:pPr>
+            <a:r>
+              <a:rPr lang="ru-RU" dirty="0" smtClean="0"/>
+              <a:t>Меньше багов</a:t>
+            </a:r>
+          </a:p>
+          <a:p>
+            <a:pPr marL="514350" indent="-514350">
+              <a:buAutoNum type="arabicParenR"/>
+            </a:pPr>
+            <a:r>
+              <a:rPr lang="ru-RU" dirty="0" smtClean="0"/>
+              <a:t>Лучше коммуникация</a:t>
+            </a:r>
+          </a:p>
+          <a:p>
+            <a:pPr marL="514350" indent="-514350">
+              <a:buAutoNum type="arabicParenR"/>
+            </a:pPr>
+            <a:r>
+              <a:rPr lang="ru-RU" dirty="0" smtClean="0"/>
+              <a:t>Выше </a:t>
+            </a:r>
+            <a:r>
+              <a:rPr lang="en-US" dirty="0" smtClean="0"/>
+              <a:t>bus-factor</a:t>
+            </a:r>
+            <a:endParaRPr lang="en-US" dirty="0"/>
+          </a:p>
+        </p:txBody>
+      </p:sp>
+    </p:spTree>
+    <p:extLst>
+      <p:ext uri="{BB962C8B-B14F-4D97-AF65-F5344CB8AC3E}">
+        <p14:creationId xmlns:p14="http://schemas.microsoft.com/office/powerpoint/2010/main" val="740168044"/>
+      </p:ext>
+    </p:extLst>
+  </p:cSld>
+  <p:clrMapOvr>
+    <a:masterClrMapping/>
+  </p:clrMapOvr>
+</p:sld>
+</file>
+
+<file path=ppt/slides/slide15.xml><?xml version="1.0" encoding="utf-8"?>
+<p:sld xmlns:a="http://schemas.openxmlformats.org/drawingml/2006/main" xmlns:r="http://schemas.openxmlformats.org/officeDocument/2006/relationships" xmlns:p="http://schemas.openxmlformats.org/presentationml/2006/main">
+  <p:cSld>
+    <p:spTree>
+      <p:nvGrpSpPr>
+        <p:cNvPr id="1" name=""/>
+        <p:cNvGrpSpPr/>
+        <p:nvPr/>
+      </p:nvGrpSpPr>
+      <p:grpSpPr>
+        <a:xfrm>
+          <a:off x="0" y="0"/>
+          <a:ext cx="0" cy="0"/>
+          <a:chOff x="0" y="0"/>
+          <a:chExt cx="0" cy="0"/>
+        </a:xfrm>
+      </p:grpSpPr>
+      <p:sp>
+        <p:nvSpPr>
+          <p:cNvPr id="2" name="Title 1"/>
+          <p:cNvSpPr>
+            <a:spLocks noGrp="1"/>
+          </p:cNvSpPr>
+          <p:nvPr>
+            <p:ph type="title"/>
+          </p:nvPr>
+        </p:nvSpPr>
+        <p:spPr/>
+        <p:txBody>
+          <a:bodyPr/>
+          <a:lstStyle/>
+          <a:p>
+            <a:r>
+              <a:rPr lang="en-US" dirty="0" smtClean="0"/>
+              <a:t>Materials</a:t>
+            </a:r>
+            <a:endParaRPr lang="en-US" dirty="0"/>
+          </a:p>
+        </p:txBody>
+      </p:sp>
+      <p:sp>
+        <p:nvSpPr>
+          <p:cNvPr id="3" name="Content Placeholder 2"/>
+          <p:cNvSpPr>
+            <a:spLocks noGrp="1"/>
+          </p:cNvSpPr>
+          <p:nvPr>
+            <p:ph idx="1"/>
+          </p:nvPr>
+        </p:nvSpPr>
+        <p:spPr/>
+        <p:txBody>
+          <a:bodyPr/>
+          <a:lstStyle/>
+          <a:p>
+            <a:r>
+              <a:rPr lang="en-US" dirty="0">
+                <a:hlinkClick r:id="rId2"/>
+              </a:rPr>
+              <a:t>https://drive.google.com/drive/folders/0B3UA7wlxcI_-</a:t>
+            </a:r>
+            <a:r>
+              <a:rPr lang="en-US" dirty="0" smtClean="0">
+                <a:hlinkClick r:id="rId2"/>
+              </a:rPr>
+              <a:t>OFotTGU1cUI1VDg</a:t>
+            </a:r>
+            <a:endParaRPr lang="en-US" dirty="0" smtClean="0"/>
+          </a:p>
+          <a:p>
+            <a:endParaRPr lang="en-US" dirty="0"/>
+          </a:p>
+        </p:txBody>
+      </p:sp>
+    </p:spTree>
+    <p:extLst>
+      <p:ext uri="{BB962C8B-B14F-4D97-AF65-F5344CB8AC3E}">
+        <p14:creationId xmlns:p14="http://schemas.microsoft.com/office/powerpoint/2010/main" val="2334465821"/>
+      </p:ext>
+    </p:extLst>
+  </p:cSld>
+  <p:clrMapOvr>
+    <a:masterClrMapping/>
+  </p:clrMapOvr>
+</p:sld>
+</file>
+
 <file path=ppt/slides/slide2.xml><?xml version="1.0" encoding="utf-8"?>
 <p:sld xmlns:a="http://schemas.openxmlformats.org/drawingml/2006/main" xmlns:r="http://schemas.openxmlformats.org/officeDocument/2006/relationships" xmlns:p="http://schemas.openxmlformats.org/presentationml/2006/main">
   <p:cSld>
@@ -3073,53 +3681,74 @@
             <a:spLocks noGrp="1"/>
           </p:cNvSpPr>
           <p:nvPr>
-            <p:ph type="ctrTitle"/>
-          </p:nvPr>
-        </p:nvSpPr>
-        <p:spPr/>
-        <p:txBody>
-          <a:bodyPr/>
-          <a:lstStyle/>
-          <a:p>
-            <a:r>
-              <a:rPr lang="ru-RU" dirty="0" smtClean="0"/>
-              <a:t>Начнем </a:t>
-            </a:r>
-            <a:r>
-              <a:rPr lang="en-US" dirty="0" smtClean="0"/>
-              <a:t>c </a:t>
-            </a:r>
-            <a:r>
-              <a:rPr lang="ru-RU" dirty="0" smtClean="0"/>
-              <a:t>обычной истории</a:t>
+            <p:ph type="title"/>
+          </p:nvPr>
+        </p:nvSpPr>
+        <p:spPr/>
+        <p:txBody>
+          <a:bodyPr/>
+          <a:lstStyle/>
+          <a:p>
+            <a:endParaRPr lang="en-US"/>
+          </a:p>
+        </p:txBody>
+      </p:sp>
+      <p:sp>
+        <p:nvSpPr>
+          <p:cNvPr id="3" name="Content Placeholder 2"/>
+          <p:cNvSpPr>
+            <a:spLocks noGrp="1"/>
+          </p:cNvSpPr>
+          <p:nvPr>
+            <p:ph idx="1"/>
+          </p:nvPr>
+        </p:nvSpPr>
+        <p:spPr/>
+        <p:txBody>
+          <a:bodyPr/>
+          <a:lstStyle/>
+          <a:p>
+            <a:pPr marL="0" indent="0">
+              <a:buNone/>
+            </a:pPr>
+            <a:r>
+              <a:rPr lang="ru-RU" dirty="0"/>
+              <a:t>Пишите код так, как будто сопровождать его будет склонный к насилию психопат, который знает, где вы живете</a:t>
+            </a:r>
+            <a:r>
+              <a:rPr lang="ru-RU" dirty="0"/>
+              <a:t/>
+            </a:r>
+            <a:br>
+              <a:rPr lang="ru-RU" dirty="0"/>
+            </a:br>
+            <a:r>
+              <a:rPr lang="ru-RU" dirty="0"/>
+              <a:t/>
+            </a:r>
+            <a:br>
+              <a:rPr lang="ru-RU" dirty="0"/>
+            </a:br>
+            <a:r>
+              <a:rPr lang="ru-RU" dirty="0"/>
+              <a:t>Стив </a:t>
+            </a:r>
+            <a:r>
+              <a:rPr lang="ru-RU" dirty="0" err="1"/>
+              <a:t>Макконнелл</a:t>
+            </a:r>
+            <a:r>
+              <a:rPr lang="ru-RU" dirty="0"/>
+              <a:t> «Совершенный код»</a:t>
             </a:r>
             <a:endParaRPr lang="en-US" dirty="0"/>
-          </a:p>
-        </p:txBody>
-      </p:sp>
-      <p:sp>
-        <p:nvSpPr>
-          <p:cNvPr id="3" name="Subtitle 2"/>
-          <p:cNvSpPr>
-            <a:spLocks noGrp="1"/>
-          </p:cNvSpPr>
-          <p:nvPr>
-            <p:ph type="subTitle" idx="1"/>
-          </p:nvPr>
-        </p:nvSpPr>
-        <p:spPr/>
-        <p:txBody>
-          <a:bodyPr/>
-          <a:lstStyle/>
-          <a:p>
-            <a:endParaRPr lang="en-US"/>
           </a:p>
         </p:txBody>
       </p:sp>
     </p:spTree>
     <p:extLst>
       <p:ext uri="{BB962C8B-B14F-4D97-AF65-F5344CB8AC3E}">
-        <p14:creationId xmlns:p14="http://schemas.microsoft.com/office/powerpoint/2010/main" val="4090979103"/>
+        <p14:creationId xmlns:p14="http://schemas.microsoft.com/office/powerpoint/2010/main" val="2726157332"/>
       </p:ext>
     </p:extLst>
   </p:cSld>
@@ -3161,6 +3790,192 @@
           <a:bodyPr/>
           <a:lstStyle/>
           <a:p>
+            <a:endParaRPr lang="en-US"/>
+          </a:p>
+        </p:txBody>
+      </p:sp>
+      <p:sp>
+        <p:nvSpPr>
+          <p:cNvPr id="3" name="Content Placeholder 2"/>
+          <p:cNvSpPr>
+            <a:spLocks noGrp="1"/>
+          </p:cNvSpPr>
+          <p:nvPr>
+            <p:ph idx="1"/>
+          </p:nvPr>
+        </p:nvSpPr>
+        <p:spPr/>
+        <p:txBody>
+          <a:bodyPr/>
+          <a:lstStyle/>
+          <a:p>
+            <a:pPr marL="0" indent="0">
+              <a:buNone/>
+            </a:pPr>
+            <a:r>
+              <a:rPr lang="ru-RU" dirty="0" smtClean="0"/>
+              <a:t>Речь не о редком код </a:t>
+            </a:r>
+            <a:r>
+              <a:rPr lang="ru-RU" dirty="0" err="1" smtClean="0"/>
+              <a:t>ревью</a:t>
+            </a:r>
+            <a:r>
+              <a:rPr lang="ru-RU" dirty="0" smtClean="0"/>
+              <a:t> – что бы найти виноватых и </a:t>
+            </a:r>
+            <a:r>
+              <a:rPr lang="ru-RU" dirty="0" err="1" smtClean="0"/>
+              <a:t>тд</a:t>
+            </a:r>
+            <a:endParaRPr lang="ru-RU" dirty="0" smtClean="0"/>
+          </a:p>
+          <a:p>
+            <a:pPr marL="0" indent="0">
+              <a:buNone/>
+            </a:pPr>
+            <a:r>
+              <a:rPr lang="ru-RU" dirty="0" smtClean="0"/>
+              <a:t>Необходимо включать в ежедневный процесс</a:t>
+            </a:r>
+          </a:p>
+          <a:p>
+            <a:pPr marL="0" indent="0">
+              <a:buNone/>
+            </a:pPr>
+            <a:r>
+              <a:rPr lang="ru-RU" dirty="0" smtClean="0"/>
+              <a:t>Иначе дно.</a:t>
+            </a:r>
+            <a:endParaRPr lang="en-US" dirty="0"/>
+          </a:p>
+        </p:txBody>
+      </p:sp>
+    </p:spTree>
+    <p:extLst>
+      <p:ext uri="{BB962C8B-B14F-4D97-AF65-F5344CB8AC3E}">
+        <p14:creationId xmlns:p14="http://schemas.microsoft.com/office/powerpoint/2010/main" val="2595710817"/>
+      </p:ext>
+    </p:extLst>
+  </p:cSld>
+  <p:clrMapOvr>
+    <a:masterClrMapping/>
+  </p:clrMapOvr>
+</p:sld>
+</file>
+
+<file path=ppt/slides/slide4.xml><?xml version="1.0" encoding="utf-8"?>
+<p:sld xmlns:a="http://schemas.openxmlformats.org/drawingml/2006/main" xmlns:r="http://schemas.openxmlformats.org/officeDocument/2006/relationships" xmlns:p="http://schemas.openxmlformats.org/presentationml/2006/main">
+  <p:cSld>
+    <p:spTree>
+      <p:nvGrpSpPr>
+        <p:cNvPr id="1" name=""/>
+        <p:cNvGrpSpPr/>
+        <p:nvPr/>
+      </p:nvGrpSpPr>
+      <p:grpSpPr>
+        <a:xfrm>
+          <a:off x="0" y="0"/>
+          <a:ext cx="0" cy="0"/>
+          <a:chOff x="0" y="0"/>
+          <a:chExt cx="0" cy="0"/>
+        </a:xfrm>
+      </p:grpSpPr>
+      <p:sp>
+        <p:nvSpPr>
+          <p:cNvPr id="2" name="Title 1"/>
+          <p:cNvSpPr>
+            <a:spLocks noGrp="1"/>
+          </p:cNvSpPr>
+          <p:nvPr>
+            <p:ph type="ctrTitle"/>
+          </p:nvPr>
+        </p:nvSpPr>
+        <p:spPr/>
+        <p:txBody>
+          <a:bodyPr/>
+          <a:lstStyle/>
+          <a:p>
+            <a:r>
+              <a:rPr lang="ru-RU" dirty="0" smtClean="0"/>
+              <a:t>Начнем </a:t>
+            </a:r>
+            <a:r>
+              <a:rPr lang="en-US" dirty="0" smtClean="0"/>
+              <a:t>c </a:t>
+            </a:r>
+            <a:r>
+              <a:rPr lang="ru-RU" dirty="0" smtClean="0"/>
+              <a:t>обычной истории</a:t>
+            </a:r>
+            <a:endParaRPr lang="en-US" dirty="0"/>
+          </a:p>
+        </p:txBody>
+      </p:sp>
+      <p:sp>
+        <p:nvSpPr>
+          <p:cNvPr id="3" name="Subtitle 2"/>
+          <p:cNvSpPr>
+            <a:spLocks noGrp="1"/>
+          </p:cNvSpPr>
+          <p:nvPr>
+            <p:ph type="subTitle" idx="1"/>
+          </p:nvPr>
+        </p:nvSpPr>
+        <p:spPr/>
+        <p:txBody>
+          <a:bodyPr/>
+          <a:lstStyle/>
+          <a:p>
+            <a:endParaRPr lang="en-US"/>
+          </a:p>
+        </p:txBody>
+      </p:sp>
+    </p:spTree>
+    <p:extLst>
+      <p:ext uri="{BB962C8B-B14F-4D97-AF65-F5344CB8AC3E}">
+        <p14:creationId xmlns:p14="http://schemas.microsoft.com/office/powerpoint/2010/main" val="4090979103"/>
+      </p:ext>
+    </p:extLst>
+  </p:cSld>
+  <p:clrMapOvr>
+    <a:masterClrMapping/>
+  </p:clrMapOvr>
+</p:sld>
+</file>
+
+<file path=ppt/slides/slide5.xml><?xml version="1.0" encoding="utf-8"?>
+<p:sld xmlns:a="http://schemas.openxmlformats.org/drawingml/2006/main" xmlns:r="http://schemas.openxmlformats.org/officeDocument/2006/relationships" xmlns:p="http://schemas.openxmlformats.org/presentationml/2006/main">
+  <p:cSld>
+    <p:spTree>
+      <p:nvGrpSpPr>
+        <p:cNvPr id="1" name=""/>
+        <p:cNvGrpSpPr/>
+        <p:nvPr/>
+      </p:nvGrpSpPr>
+      <p:grpSpPr>
+        <a:xfrm>
+          <a:off x="0" y="0"/>
+          <a:ext cx="0" cy="0"/>
+          <a:chOff x="0" y="0"/>
+          <a:chExt cx="0" cy="0"/>
+        </a:xfrm>
+      </p:grpSpPr>
+      <p:sp>
+        <p:nvSpPr>
+          <p:cNvPr id="2" name="Title 1"/>
+          <p:cNvSpPr>
+            <a:spLocks noGrp="1"/>
+          </p:cNvSpPr>
+          <p:nvPr>
+            <p:ph type="title"/>
+          </p:nvPr>
+        </p:nvSpPr>
+        <p:spPr/>
+        <p:txBody>
+          <a:bodyPr/>
+          <a:lstStyle/>
+          <a:p>
             <a:endParaRPr lang="en-US" dirty="0"/>
           </a:p>
         </p:txBody>
@@ -3235,7 +4050,7 @@
 </p:sld>
 </file>
 
-<file path=ppt/slides/slide4.xml><?xml version="1.0" encoding="utf-8"?>
+<file path=ppt/slides/slide6.xml><?xml version="1.0" encoding="utf-8"?>
 <p:sld xmlns:a="http://schemas.openxmlformats.org/drawingml/2006/main" xmlns:r="http://schemas.openxmlformats.org/officeDocument/2006/relationships" xmlns:p="http://schemas.openxmlformats.org/presentationml/2006/main">
   <p:cSld>
     <p:spTree>
@@ -3317,7 +4132,7 @@
 </p:sld>
 </file>
 
-<file path=ppt/slides/slide5.xml><?xml version="1.0" encoding="utf-8"?>
+<file path=ppt/slides/slide7.xml><?xml version="1.0" encoding="utf-8"?>
 <p:sld xmlns:a="http://schemas.openxmlformats.org/drawingml/2006/main" xmlns:r="http://schemas.openxmlformats.org/officeDocument/2006/relationships" xmlns:p="http://schemas.openxmlformats.org/presentationml/2006/main">
   <p:cSld>
     <p:spTree>
@@ -3390,6 +4205,164 @@
     <p:extLst>
       <p:ext uri="{BB962C8B-B14F-4D97-AF65-F5344CB8AC3E}">
         <p14:creationId xmlns:p14="http://schemas.microsoft.com/office/powerpoint/2010/main" val="2958912165"/>
+      </p:ext>
+    </p:extLst>
+  </p:cSld>
+  <p:clrMapOvr>
+    <a:masterClrMapping/>
+  </p:clrMapOvr>
+</p:sld>
+</file>
+
+<file path=ppt/slides/slide8.xml><?xml version="1.0" encoding="utf-8"?>
+<p:sld xmlns:a="http://schemas.openxmlformats.org/drawingml/2006/main" xmlns:r="http://schemas.openxmlformats.org/officeDocument/2006/relationships" xmlns:p="http://schemas.openxmlformats.org/presentationml/2006/main">
+  <p:cSld>
+    <p:spTree>
+      <p:nvGrpSpPr>
+        <p:cNvPr id="1" name=""/>
+        <p:cNvGrpSpPr/>
+        <p:nvPr/>
+      </p:nvGrpSpPr>
+      <p:grpSpPr>
+        <a:xfrm>
+          <a:off x="0" y="0"/>
+          <a:ext cx="0" cy="0"/>
+          <a:chOff x="0" y="0"/>
+          <a:chExt cx="0" cy="0"/>
+        </a:xfrm>
+      </p:grpSpPr>
+      <p:sp>
+        <p:nvSpPr>
+          <p:cNvPr id="2" name="Title 1"/>
+          <p:cNvSpPr>
+            <a:spLocks noGrp="1"/>
+          </p:cNvSpPr>
+          <p:nvPr>
+            <p:ph type="title"/>
+          </p:nvPr>
+        </p:nvSpPr>
+        <p:spPr/>
+        <p:txBody>
+          <a:bodyPr/>
+          <a:lstStyle/>
+          <a:p>
+            <a:endParaRPr lang="en-US"/>
+          </a:p>
+        </p:txBody>
+      </p:sp>
+      <p:pic>
+        <p:nvPicPr>
+          <p:cNvPr id="4" name="Content Placeholder 3"/>
+          <p:cNvPicPr>
+            <a:picLocks noGrp="1" noChangeAspect="1"/>
+          </p:cNvPicPr>
+          <p:nvPr>
+            <p:ph idx="1"/>
+          </p:nvPr>
+        </p:nvPicPr>
+        <p:blipFill>
+          <a:blip r:embed="rId2">
+            <a:extLst>
+              <a:ext uri="{28A0092B-C50C-407E-A947-70E740481C1C}">
+                <a14:useLocalDpi xmlns:a14="http://schemas.microsoft.com/office/drawing/2010/main" val="0"/>
+              </a:ext>
+            </a:extLst>
+          </a:blip>
+          <a:stretch>
+            <a:fillRect/>
+          </a:stretch>
+        </p:blipFill>
+        <p:spPr>
+          <a:xfrm>
+            <a:off x="867228" y="1858550"/>
+            <a:ext cx="10457543" cy="4285488"/>
+          </a:xfrm>
+        </p:spPr>
+      </p:pic>
+    </p:spTree>
+    <p:extLst>
+      <p:ext uri="{BB962C8B-B14F-4D97-AF65-F5344CB8AC3E}">
+        <p14:creationId xmlns:p14="http://schemas.microsoft.com/office/powerpoint/2010/main" val="905710083"/>
+      </p:ext>
+    </p:extLst>
+  </p:cSld>
+  <p:clrMapOvr>
+    <a:masterClrMapping/>
+  </p:clrMapOvr>
+</p:sld>
+</file>
+
+<file path=ppt/slides/slide9.xml><?xml version="1.0" encoding="utf-8"?>
+<p:sld xmlns:a="http://schemas.openxmlformats.org/drawingml/2006/main" xmlns:r="http://schemas.openxmlformats.org/officeDocument/2006/relationships" xmlns:p="http://schemas.openxmlformats.org/presentationml/2006/main">
+  <p:cSld>
+    <p:spTree>
+      <p:nvGrpSpPr>
+        <p:cNvPr id="1" name=""/>
+        <p:cNvGrpSpPr/>
+        <p:nvPr/>
+      </p:nvGrpSpPr>
+      <p:grpSpPr>
+        <a:xfrm>
+          <a:off x="0" y="0"/>
+          <a:ext cx="0" cy="0"/>
+          <a:chOff x="0" y="0"/>
+          <a:chExt cx="0" cy="0"/>
+        </a:xfrm>
+      </p:grpSpPr>
+      <p:sp>
+        <p:nvSpPr>
+          <p:cNvPr id="2" name="Title 1"/>
+          <p:cNvSpPr>
+            <a:spLocks noGrp="1"/>
+          </p:cNvSpPr>
+          <p:nvPr>
+            <p:ph type="title"/>
+          </p:nvPr>
+        </p:nvSpPr>
+        <p:spPr/>
+        <p:txBody>
+          <a:bodyPr/>
+          <a:lstStyle/>
+          <a:p>
+            <a:r>
+              <a:rPr lang="ru-RU" dirty="0" smtClean="0"/>
+              <a:t>Люди спорят – борются за лидерство</a:t>
+            </a:r>
+            <a:endParaRPr lang="en-US" dirty="0"/>
+          </a:p>
+        </p:txBody>
+      </p:sp>
+      <p:sp>
+        <p:nvSpPr>
+          <p:cNvPr id="3" name="Content Placeholder 2"/>
+          <p:cNvSpPr>
+            <a:spLocks noGrp="1"/>
+          </p:cNvSpPr>
+          <p:nvPr>
+            <p:ph idx="1"/>
+          </p:nvPr>
+        </p:nvSpPr>
+        <p:spPr/>
+        <p:txBody>
+          <a:bodyPr/>
+          <a:lstStyle/>
+          <a:p>
+            <a:r>
+              <a:rPr lang="ru-RU" dirty="0" smtClean="0"/>
+              <a:t>Спорим в код </a:t>
+            </a:r>
+            <a:r>
+              <a:rPr lang="ru-RU" smtClean="0"/>
+              <a:t>ревью</a:t>
+            </a:r>
+            <a:endParaRPr lang="en-US" dirty="0"/>
+          </a:p>
+        </p:txBody>
+      </p:sp>
+    </p:spTree>
+    <p:extLst>
+      <p:ext uri="{BB962C8B-B14F-4D97-AF65-F5344CB8AC3E}">
+        <p14:creationId xmlns:p14="http://schemas.microsoft.com/office/powerpoint/2010/main" val="2822534660"/>
       </p:ext>
     </p:extLst>
   </p:cSld>
